--- a/Python/Python 포스팅 자료.pptx
+++ b/Python/Python 포스팅 자료.pptx
@@ -6,6 +6,16 @@
   </p:sldMasterIdLst>
   <p:sldIdLst>
     <p:sldId id="256" r:id="rId2"/>
+    <p:sldId id="257" r:id="rId3"/>
+    <p:sldId id="258" r:id="rId4"/>
+    <p:sldId id="259" r:id="rId5"/>
+    <p:sldId id="260" r:id="rId6"/>
+    <p:sldId id="261" r:id="rId7"/>
+    <p:sldId id="262" r:id="rId8"/>
+    <p:sldId id="263" r:id="rId9"/>
+    <p:sldId id="264" r:id="rId10"/>
+    <p:sldId id="265" r:id="rId11"/>
+    <p:sldId id="266" r:id="rId12"/>
   </p:sldIdLst>
   <p:sldSz cx="12192000" cy="6858000"/>
   <p:notesSz cx="6858000" cy="9144000"/>
@@ -104,6 +114,11 @@
       </a:defRPr>
     </a:lvl9pPr>
   </p:defaultTextStyle>
+  <p:extLst>
+    <p:ext uri="{EFAFB233-063F-42B5-8137-9DF3F51BA10A}">
+      <p15:sldGuideLst xmlns:p15="http://schemas.microsoft.com/office/powerpoint/2012/main"/>
+    </p:ext>
+  </p:extLst>
 </p:presentation>
 </file>
 
@@ -2977,6 +2992,306 @@
 </p:sld>
 </file>
 
+<file path=ppt/slides/slide10.xml><?xml version="1.0" encoding="utf-8"?>
+<p:sld xmlns:a="http://schemas.openxmlformats.org/drawingml/2006/main" xmlns:r="http://schemas.openxmlformats.org/officeDocument/2006/relationships" xmlns:p="http://schemas.openxmlformats.org/presentationml/2006/main">
+  <p:cSld>
+    <p:spTree>
+      <p:nvGrpSpPr>
+        <p:cNvPr id="1" name=""/>
+        <p:cNvGrpSpPr/>
+        <p:nvPr/>
+      </p:nvGrpSpPr>
+      <p:grpSpPr>
+        <a:xfrm>
+          <a:off x="0" y="0"/>
+          <a:ext cx="0" cy="0"/>
+          <a:chOff x="0" y="0"/>
+          <a:chExt cx="0" cy="0"/>
+        </a:xfrm>
+      </p:grpSpPr>
+    </p:spTree>
+    <p:extLst>
+      <p:ext uri="{BB962C8B-B14F-4D97-AF65-F5344CB8AC3E}">
+        <p14:creationId xmlns:p14="http://schemas.microsoft.com/office/powerpoint/2010/main" val="2435866891"/>
+      </p:ext>
+    </p:extLst>
+  </p:cSld>
+  <p:clrMapOvr>
+    <a:masterClrMapping/>
+  </p:clrMapOvr>
+</p:sld>
+</file>
+
+<file path=ppt/slides/slide11.xml><?xml version="1.0" encoding="utf-8"?>
+<p:sld xmlns:a="http://schemas.openxmlformats.org/drawingml/2006/main" xmlns:r="http://schemas.openxmlformats.org/officeDocument/2006/relationships" xmlns:p="http://schemas.openxmlformats.org/presentationml/2006/main">
+  <p:cSld>
+    <p:spTree>
+      <p:nvGrpSpPr>
+        <p:cNvPr id="1" name=""/>
+        <p:cNvGrpSpPr/>
+        <p:nvPr/>
+      </p:nvGrpSpPr>
+      <p:grpSpPr>
+        <a:xfrm>
+          <a:off x="0" y="0"/>
+          <a:ext cx="0" cy="0"/>
+          <a:chOff x="0" y="0"/>
+          <a:chExt cx="0" cy="0"/>
+        </a:xfrm>
+      </p:grpSpPr>
+    </p:spTree>
+    <p:extLst>
+      <p:ext uri="{BB962C8B-B14F-4D97-AF65-F5344CB8AC3E}">
+        <p14:creationId xmlns:p14="http://schemas.microsoft.com/office/powerpoint/2010/main" val="4139064703"/>
+      </p:ext>
+    </p:extLst>
+  </p:cSld>
+  <p:clrMapOvr>
+    <a:masterClrMapping/>
+  </p:clrMapOvr>
+</p:sld>
+</file>
+
+<file path=ppt/slides/slide2.xml><?xml version="1.0" encoding="utf-8"?>
+<p:sld xmlns:a="http://schemas.openxmlformats.org/drawingml/2006/main" xmlns:r="http://schemas.openxmlformats.org/officeDocument/2006/relationships" xmlns:p="http://schemas.openxmlformats.org/presentationml/2006/main">
+  <p:cSld>
+    <p:spTree>
+      <p:nvGrpSpPr>
+        <p:cNvPr id="1" name=""/>
+        <p:cNvGrpSpPr/>
+        <p:nvPr/>
+      </p:nvGrpSpPr>
+      <p:grpSpPr>
+        <a:xfrm>
+          <a:off x="0" y="0"/>
+          <a:ext cx="0" cy="0"/>
+          <a:chOff x="0" y="0"/>
+          <a:chExt cx="0" cy="0"/>
+        </a:xfrm>
+      </p:grpSpPr>
+    </p:spTree>
+    <p:extLst>
+      <p:ext uri="{BB962C8B-B14F-4D97-AF65-F5344CB8AC3E}">
+        <p14:creationId xmlns:p14="http://schemas.microsoft.com/office/powerpoint/2010/main" val="750932508"/>
+      </p:ext>
+    </p:extLst>
+  </p:cSld>
+  <p:clrMapOvr>
+    <a:masterClrMapping/>
+  </p:clrMapOvr>
+</p:sld>
+</file>
+
+<file path=ppt/slides/slide3.xml><?xml version="1.0" encoding="utf-8"?>
+<p:sld xmlns:a="http://schemas.openxmlformats.org/drawingml/2006/main" xmlns:r="http://schemas.openxmlformats.org/officeDocument/2006/relationships" xmlns:p="http://schemas.openxmlformats.org/presentationml/2006/main">
+  <p:cSld>
+    <p:spTree>
+      <p:nvGrpSpPr>
+        <p:cNvPr id="1" name=""/>
+        <p:cNvGrpSpPr/>
+        <p:nvPr/>
+      </p:nvGrpSpPr>
+      <p:grpSpPr>
+        <a:xfrm>
+          <a:off x="0" y="0"/>
+          <a:ext cx="0" cy="0"/>
+          <a:chOff x="0" y="0"/>
+          <a:chExt cx="0" cy="0"/>
+        </a:xfrm>
+      </p:grpSpPr>
+    </p:spTree>
+    <p:extLst>
+      <p:ext uri="{BB962C8B-B14F-4D97-AF65-F5344CB8AC3E}">
+        <p14:creationId xmlns:p14="http://schemas.microsoft.com/office/powerpoint/2010/main" val="4106775639"/>
+      </p:ext>
+    </p:extLst>
+  </p:cSld>
+  <p:clrMapOvr>
+    <a:masterClrMapping/>
+  </p:clrMapOvr>
+</p:sld>
+</file>
+
+<file path=ppt/slides/slide4.xml><?xml version="1.0" encoding="utf-8"?>
+<p:sld xmlns:a="http://schemas.openxmlformats.org/drawingml/2006/main" xmlns:r="http://schemas.openxmlformats.org/officeDocument/2006/relationships" xmlns:p="http://schemas.openxmlformats.org/presentationml/2006/main">
+  <p:cSld>
+    <p:spTree>
+      <p:nvGrpSpPr>
+        <p:cNvPr id="1" name=""/>
+        <p:cNvGrpSpPr/>
+        <p:nvPr/>
+      </p:nvGrpSpPr>
+      <p:grpSpPr>
+        <a:xfrm>
+          <a:off x="0" y="0"/>
+          <a:ext cx="0" cy="0"/>
+          <a:chOff x="0" y="0"/>
+          <a:chExt cx="0" cy="0"/>
+        </a:xfrm>
+      </p:grpSpPr>
+    </p:spTree>
+    <p:extLst>
+      <p:ext uri="{BB962C8B-B14F-4D97-AF65-F5344CB8AC3E}">
+        <p14:creationId xmlns:p14="http://schemas.microsoft.com/office/powerpoint/2010/main" val="4278032128"/>
+      </p:ext>
+    </p:extLst>
+  </p:cSld>
+  <p:clrMapOvr>
+    <a:masterClrMapping/>
+  </p:clrMapOvr>
+</p:sld>
+</file>
+
+<file path=ppt/slides/slide5.xml><?xml version="1.0" encoding="utf-8"?>
+<p:sld xmlns:a="http://schemas.openxmlformats.org/drawingml/2006/main" xmlns:r="http://schemas.openxmlformats.org/officeDocument/2006/relationships" xmlns:p="http://schemas.openxmlformats.org/presentationml/2006/main">
+  <p:cSld>
+    <p:spTree>
+      <p:nvGrpSpPr>
+        <p:cNvPr id="1" name=""/>
+        <p:cNvGrpSpPr/>
+        <p:nvPr/>
+      </p:nvGrpSpPr>
+      <p:grpSpPr>
+        <a:xfrm>
+          <a:off x="0" y="0"/>
+          <a:ext cx="0" cy="0"/>
+          <a:chOff x="0" y="0"/>
+          <a:chExt cx="0" cy="0"/>
+        </a:xfrm>
+      </p:grpSpPr>
+    </p:spTree>
+    <p:extLst>
+      <p:ext uri="{BB962C8B-B14F-4D97-AF65-F5344CB8AC3E}">
+        <p14:creationId xmlns:p14="http://schemas.microsoft.com/office/powerpoint/2010/main" val="1267787013"/>
+      </p:ext>
+    </p:extLst>
+  </p:cSld>
+  <p:clrMapOvr>
+    <a:masterClrMapping/>
+  </p:clrMapOvr>
+</p:sld>
+</file>
+
+<file path=ppt/slides/slide6.xml><?xml version="1.0" encoding="utf-8"?>
+<p:sld xmlns:a="http://schemas.openxmlformats.org/drawingml/2006/main" xmlns:r="http://schemas.openxmlformats.org/officeDocument/2006/relationships" xmlns:p="http://schemas.openxmlformats.org/presentationml/2006/main">
+  <p:cSld>
+    <p:spTree>
+      <p:nvGrpSpPr>
+        <p:cNvPr id="1" name=""/>
+        <p:cNvGrpSpPr/>
+        <p:nvPr/>
+      </p:nvGrpSpPr>
+      <p:grpSpPr>
+        <a:xfrm>
+          <a:off x="0" y="0"/>
+          <a:ext cx="0" cy="0"/>
+          <a:chOff x="0" y="0"/>
+          <a:chExt cx="0" cy="0"/>
+        </a:xfrm>
+      </p:grpSpPr>
+    </p:spTree>
+    <p:extLst>
+      <p:ext uri="{BB962C8B-B14F-4D97-AF65-F5344CB8AC3E}">
+        <p14:creationId xmlns:p14="http://schemas.microsoft.com/office/powerpoint/2010/main" val="2780128495"/>
+      </p:ext>
+    </p:extLst>
+  </p:cSld>
+  <p:clrMapOvr>
+    <a:masterClrMapping/>
+  </p:clrMapOvr>
+</p:sld>
+</file>
+
+<file path=ppt/slides/slide7.xml><?xml version="1.0" encoding="utf-8"?>
+<p:sld xmlns:a="http://schemas.openxmlformats.org/drawingml/2006/main" xmlns:r="http://schemas.openxmlformats.org/officeDocument/2006/relationships" xmlns:p="http://schemas.openxmlformats.org/presentationml/2006/main">
+  <p:cSld>
+    <p:spTree>
+      <p:nvGrpSpPr>
+        <p:cNvPr id="1" name=""/>
+        <p:cNvGrpSpPr/>
+        <p:nvPr/>
+      </p:nvGrpSpPr>
+      <p:grpSpPr>
+        <a:xfrm>
+          <a:off x="0" y="0"/>
+          <a:ext cx="0" cy="0"/>
+          <a:chOff x="0" y="0"/>
+          <a:chExt cx="0" cy="0"/>
+        </a:xfrm>
+      </p:grpSpPr>
+    </p:spTree>
+    <p:extLst>
+      <p:ext uri="{BB962C8B-B14F-4D97-AF65-F5344CB8AC3E}">
+        <p14:creationId xmlns:p14="http://schemas.microsoft.com/office/powerpoint/2010/main" val="3329542525"/>
+      </p:ext>
+    </p:extLst>
+  </p:cSld>
+  <p:clrMapOvr>
+    <a:masterClrMapping/>
+  </p:clrMapOvr>
+</p:sld>
+</file>
+
+<file path=ppt/slides/slide8.xml><?xml version="1.0" encoding="utf-8"?>
+<p:sld xmlns:a="http://schemas.openxmlformats.org/drawingml/2006/main" xmlns:r="http://schemas.openxmlformats.org/officeDocument/2006/relationships" xmlns:p="http://schemas.openxmlformats.org/presentationml/2006/main">
+  <p:cSld>
+    <p:spTree>
+      <p:nvGrpSpPr>
+        <p:cNvPr id="1" name=""/>
+        <p:cNvGrpSpPr/>
+        <p:nvPr/>
+      </p:nvGrpSpPr>
+      <p:grpSpPr>
+        <a:xfrm>
+          <a:off x="0" y="0"/>
+          <a:ext cx="0" cy="0"/>
+          <a:chOff x="0" y="0"/>
+          <a:chExt cx="0" cy="0"/>
+        </a:xfrm>
+      </p:grpSpPr>
+    </p:spTree>
+    <p:extLst>
+      <p:ext uri="{BB962C8B-B14F-4D97-AF65-F5344CB8AC3E}">
+        <p14:creationId xmlns:p14="http://schemas.microsoft.com/office/powerpoint/2010/main" val="624831064"/>
+      </p:ext>
+    </p:extLst>
+  </p:cSld>
+  <p:clrMapOvr>
+    <a:masterClrMapping/>
+  </p:clrMapOvr>
+</p:sld>
+</file>
+
+<file path=ppt/slides/slide9.xml><?xml version="1.0" encoding="utf-8"?>
+<p:sld xmlns:a="http://schemas.openxmlformats.org/drawingml/2006/main" xmlns:r="http://schemas.openxmlformats.org/officeDocument/2006/relationships" xmlns:p="http://schemas.openxmlformats.org/presentationml/2006/main">
+  <p:cSld>
+    <p:spTree>
+      <p:nvGrpSpPr>
+        <p:cNvPr id="1" name=""/>
+        <p:cNvGrpSpPr/>
+        <p:nvPr/>
+      </p:nvGrpSpPr>
+      <p:grpSpPr>
+        <a:xfrm>
+          <a:off x="0" y="0"/>
+          <a:ext cx="0" cy="0"/>
+          <a:chOff x="0" y="0"/>
+          <a:chExt cx="0" cy="0"/>
+        </a:xfrm>
+      </p:grpSpPr>
+    </p:spTree>
+    <p:extLst>
+      <p:ext uri="{BB962C8B-B14F-4D97-AF65-F5344CB8AC3E}">
+        <p14:creationId xmlns:p14="http://schemas.microsoft.com/office/powerpoint/2010/main" val="4116292586"/>
+      </p:ext>
+    </p:extLst>
+  </p:cSld>
+  <p:clrMapOvr>
+    <a:masterClrMapping/>
+  </p:clrMapOvr>
+</p:sld>
+</file>
+
 <file path=ppt/theme/theme1.xml><?xml version="1.0" encoding="utf-8"?>
 <a:theme xmlns:a="http://schemas.openxmlformats.org/drawingml/2006/main" name="Office 테마">
   <a:themeElements>

--- a/Python/Python 포스팅 자료.pptx
+++ b/Python/Python 포스팅 자료.pptx
@@ -2979,6 +2979,101 @@
           <a:chExt cx="0" cy="0"/>
         </a:xfrm>
       </p:grpSpPr>
+      <p:pic>
+        <p:nvPicPr>
+          <p:cNvPr id="2" name="그림 1"/>
+          <p:cNvPicPr>
+            <a:picLocks noChangeAspect="1"/>
+          </p:cNvPicPr>
+          <p:nvPr/>
+        </p:nvPicPr>
+        <p:blipFill>
+          <a:blip r:embed="rId2"/>
+          <a:stretch>
+            <a:fillRect/>
+          </a:stretch>
+        </p:blipFill>
+        <p:spPr>
+          <a:xfrm>
+            <a:off x="156257" y="1973357"/>
+            <a:ext cx="4763813" cy="2671441"/>
+          </a:xfrm>
+          <a:prstGeom prst="rect">
+            <a:avLst/>
+          </a:prstGeom>
+        </p:spPr>
+      </p:pic>
+      <p:pic>
+        <p:nvPicPr>
+          <p:cNvPr id="4" name="그림 3"/>
+          <p:cNvPicPr>
+            <a:picLocks noChangeAspect="1"/>
+          </p:cNvPicPr>
+          <p:nvPr/>
+        </p:nvPicPr>
+        <p:blipFill>
+          <a:blip r:embed="rId3"/>
+          <a:stretch>
+            <a:fillRect/>
+          </a:stretch>
+        </p:blipFill>
+        <p:spPr>
+          <a:xfrm>
+            <a:off x="7436734" y="1415971"/>
+            <a:ext cx="4316140" cy="3786209"/>
+          </a:xfrm>
+          <a:prstGeom prst="rect">
+            <a:avLst/>
+          </a:prstGeom>
+        </p:spPr>
+      </p:pic>
+      <p:sp>
+        <p:nvSpPr>
+          <p:cNvPr id="5" name="오른쪽 화살표 4"/>
+          <p:cNvSpPr/>
+          <p:nvPr/>
+        </p:nvSpPr>
+        <p:spPr>
+          <a:xfrm>
+            <a:off x="5474825" y="3037071"/>
+            <a:ext cx="1296365" cy="544011"/>
+          </a:xfrm>
+          <a:prstGeom prst="rightArrow">
+            <a:avLst/>
+          </a:prstGeom>
+          <a:noFill/>
+          <a:ln>
+            <a:solidFill>
+              <a:schemeClr val="tx1"/>
+            </a:solidFill>
+            <a:prstDash val="sysDash"/>
+          </a:ln>
+        </p:spPr>
+        <p:style>
+          <a:lnRef idx="2">
+            <a:schemeClr val="accent1">
+              <a:shade val="50000"/>
+            </a:schemeClr>
+          </a:lnRef>
+          <a:fillRef idx="1">
+            <a:schemeClr val="accent1"/>
+          </a:fillRef>
+          <a:effectRef idx="0">
+            <a:schemeClr val="accent1"/>
+          </a:effectRef>
+          <a:fontRef idx="minor">
+            <a:schemeClr val="lt1"/>
+          </a:fontRef>
+        </p:style>
+        <p:txBody>
+          <a:bodyPr rtlCol="0" anchor="ctr"/>
+          <a:lstStyle/>
+          <a:p>
+            <a:pPr algn="ctr"/>
+            <a:endParaRPr lang="ko-KR" altLang="en-US"/>
+          </a:p>
+        </p:txBody>
+      </p:sp>
     </p:spTree>
     <p:extLst>
       <p:ext uri="{BB962C8B-B14F-4D97-AF65-F5344CB8AC3E}">
@@ -3069,6 +3164,174 @@
           <a:chExt cx="0" cy="0"/>
         </a:xfrm>
       </p:grpSpPr>
+      <p:pic>
+        <p:nvPicPr>
+          <p:cNvPr id="2" name="그림 1"/>
+          <p:cNvPicPr>
+            <a:picLocks noChangeAspect="1"/>
+          </p:cNvPicPr>
+          <p:nvPr/>
+        </p:nvPicPr>
+        <p:blipFill>
+          <a:blip r:embed="rId2"/>
+          <a:stretch>
+            <a:fillRect/>
+          </a:stretch>
+        </p:blipFill>
+        <p:spPr>
+          <a:xfrm>
+            <a:off x="453929" y="302032"/>
+            <a:ext cx="1943371" cy="790685"/>
+          </a:xfrm>
+          <a:prstGeom prst="rect">
+            <a:avLst/>
+          </a:prstGeom>
+        </p:spPr>
+      </p:pic>
+      <p:pic>
+        <p:nvPicPr>
+          <p:cNvPr id="3" name="그림 2"/>
+          <p:cNvPicPr>
+            <a:picLocks noChangeAspect="1"/>
+          </p:cNvPicPr>
+          <p:nvPr/>
+        </p:nvPicPr>
+        <p:blipFill>
+          <a:blip r:embed="rId3"/>
+          <a:stretch>
+            <a:fillRect/>
+          </a:stretch>
+        </p:blipFill>
+        <p:spPr>
+          <a:xfrm>
+            <a:off x="1425614" y="1414892"/>
+            <a:ext cx="2524477" cy="752580"/>
+          </a:xfrm>
+          <a:prstGeom prst="rect">
+            <a:avLst/>
+          </a:prstGeom>
+        </p:spPr>
+      </p:pic>
+      <p:pic>
+        <p:nvPicPr>
+          <p:cNvPr id="4" name="그림 3"/>
+          <p:cNvPicPr>
+            <a:picLocks noChangeAspect="1"/>
+          </p:cNvPicPr>
+          <p:nvPr/>
+        </p:nvPicPr>
+        <p:blipFill>
+          <a:blip r:embed="rId4"/>
+          <a:stretch>
+            <a:fillRect/>
+          </a:stretch>
+        </p:blipFill>
+        <p:spPr>
+          <a:xfrm>
+            <a:off x="5478370" y="435499"/>
+            <a:ext cx="5344271" cy="847843"/>
+          </a:xfrm>
+          <a:prstGeom prst="rect">
+            <a:avLst/>
+          </a:prstGeom>
+        </p:spPr>
+      </p:pic>
+      <p:pic>
+        <p:nvPicPr>
+          <p:cNvPr id="5" name="그림 4"/>
+          <p:cNvPicPr>
+            <a:picLocks noChangeAspect="1"/>
+          </p:cNvPicPr>
+          <p:nvPr/>
+        </p:nvPicPr>
+        <p:blipFill>
+          <a:blip r:embed="rId5"/>
+          <a:stretch>
+            <a:fillRect/>
+          </a:stretch>
+        </p:blipFill>
+        <p:spPr>
+          <a:xfrm>
+            <a:off x="4514433" y="1606337"/>
+            <a:ext cx="2514951" cy="657317"/>
+          </a:xfrm>
+          <a:prstGeom prst="rect">
+            <a:avLst/>
+          </a:prstGeom>
+        </p:spPr>
+      </p:pic>
+      <p:pic>
+        <p:nvPicPr>
+          <p:cNvPr id="7" name="그림 6"/>
+          <p:cNvPicPr>
+            <a:picLocks noChangeAspect="1"/>
+          </p:cNvPicPr>
+          <p:nvPr/>
+        </p:nvPicPr>
+        <p:blipFill>
+          <a:blip r:embed="rId6"/>
+          <a:stretch>
+            <a:fillRect/>
+          </a:stretch>
+        </p:blipFill>
+        <p:spPr>
+          <a:xfrm>
+            <a:off x="5640137" y="3239953"/>
+            <a:ext cx="3296110" cy="771633"/>
+          </a:xfrm>
+          <a:prstGeom prst="rect">
+            <a:avLst/>
+          </a:prstGeom>
+        </p:spPr>
+      </p:pic>
+      <p:pic>
+        <p:nvPicPr>
+          <p:cNvPr id="8" name="그림 7"/>
+          <p:cNvPicPr>
+            <a:picLocks noChangeAspect="1"/>
+          </p:cNvPicPr>
+          <p:nvPr/>
+        </p:nvPicPr>
+        <p:blipFill>
+          <a:blip r:embed="rId7"/>
+          <a:stretch>
+            <a:fillRect/>
+          </a:stretch>
+        </p:blipFill>
+        <p:spPr>
+          <a:xfrm>
+            <a:off x="6097401" y="4393585"/>
+            <a:ext cx="2381582" cy="600159"/>
+          </a:xfrm>
+          <a:prstGeom prst="rect">
+            <a:avLst/>
+          </a:prstGeom>
+        </p:spPr>
+      </p:pic>
+      <p:pic>
+        <p:nvPicPr>
+          <p:cNvPr id="10" name="그림 9"/>
+          <p:cNvPicPr>
+            <a:picLocks noChangeAspect="1"/>
+          </p:cNvPicPr>
+          <p:nvPr/>
+        </p:nvPicPr>
+        <p:blipFill>
+          <a:blip r:embed="rId8"/>
+          <a:stretch>
+            <a:fillRect/>
+          </a:stretch>
+        </p:blipFill>
+        <p:spPr>
+          <a:xfrm>
+            <a:off x="577770" y="3629608"/>
+            <a:ext cx="4220164" cy="1066949"/>
+          </a:xfrm>
+          <a:prstGeom prst="rect">
+            <a:avLst/>
+          </a:prstGeom>
+        </p:spPr>
+      </p:pic>
     </p:spTree>
     <p:extLst>
       <p:ext uri="{BB962C8B-B14F-4D97-AF65-F5344CB8AC3E}">
@@ -3099,6 +3362,30 @@
           <a:chExt cx="0" cy="0"/>
         </a:xfrm>
       </p:grpSpPr>
+      <p:pic>
+        <p:nvPicPr>
+          <p:cNvPr id="2" name="그림 1"/>
+          <p:cNvPicPr>
+            <a:picLocks noChangeAspect="1"/>
+          </p:cNvPicPr>
+          <p:nvPr/>
+        </p:nvPicPr>
+        <p:blipFill>
+          <a:blip r:embed="rId2"/>
+          <a:stretch>
+            <a:fillRect/>
+          </a:stretch>
+        </p:blipFill>
+        <p:spPr>
+          <a:xfrm>
+            <a:off x="1729502" y="616375"/>
+            <a:ext cx="1857634" cy="5706271"/>
+          </a:xfrm>
+          <a:prstGeom prst="rect">
+            <a:avLst/>
+          </a:prstGeom>
+        </p:spPr>
+      </p:pic>
     </p:spTree>
     <p:extLst>
       <p:ext uri="{BB962C8B-B14F-4D97-AF65-F5344CB8AC3E}">
